--- a/ligneEditorialTwitter.pptx
+++ b/ligneEditorialTwitter.pptx
@@ -4385,8 +4385,8 @@
         </p:nvSpPr>
         <p:spPr>
           <a:xfrm>
-            <a:off x="457200" y="273240"/>
-            <a:ext cx="8228880" cy="1145160"/>
+            <a:off x="457200" y="273600"/>
+            <a:ext cx="8229240" cy="1144800"/>
           </a:xfrm>
           <a:prstGeom prst="rect">
             <a:avLst/>
@@ -4394,16 +4394,17 @@
         </p:spPr>
         <p:txBody>
           <a:bodyPr lIns="0" rIns="0" tIns="0" bIns="0" anchor="ctr">
-            <a:spAutoFit/>
-          </a:bodyPr>
-          <a:p>
+            <a:noAutofit/>
+          </a:bodyPr>
+          <a:p>
+            <a:pPr algn="ctr"/>
             <a:r>
-              <a:rPr b="0" lang="fr-FR" sz="1800" spc="-1" strike="noStrike">
+              <a:rPr b="0" lang="fr-FR" sz="4400" spc="-1" strike="noStrike">
                 <a:latin typeface="Arial"/>
               </a:rPr>
               <a:t>Cliquez pour éditer le format du texte-titre</a:t>
             </a:r>
-            <a:endParaRPr b="0" lang="fr-FR" sz="1800" spc="-1" strike="noStrike">
+            <a:endParaRPr b="0" lang="fr-FR" sz="4400" spc="-1" strike="noStrike">
               <a:latin typeface="Arial"/>
             </a:endParaRPr>
           </a:p>
@@ -4898,7 +4899,7 @@
         <p:spPr>
           <a:xfrm>
             <a:off x="0" y="0"/>
-            <a:ext cx="9142920" cy="6857280"/>
+            <a:ext cx="9142200" cy="6856560"/>
           </a:xfrm>
           <a:prstGeom prst="rect">
             <a:avLst/>
@@ -4951,7 +4952,7 @@
         <p:spPr>
           <a:xfrm>
             <a:off x="0" y="0"/>
-            <a:ext cx="9142920" cy="6857280"/>
+            <a:ext cx="9142200" cy="6856560"/>
           </a:xfrm>
           <a:prstGeom prst="rect">
             <a:avLst/>
@@ -5004,7 +5005,7 @@
         <p:spPr>
           <a:xfrm>
             <a:off x="0" y="360"/>
-            <a:ext cx="9142920" cy="6857280"/>
+            <a:ext cx="9142200" cy="6856560"/>
           </a:xfrm>
           <a:prstGeom prst="rect">
             <a:avLst/>
@@ -5057,7 +5058,7 @@
         <p:spPr>
           <a:xfrm>
             <a:off x="0" y="360"/>
-            <a:ext cx="9142920" cy="6857280"/>
+            <a:ext cx="9142200" cy="6856560"/>
           </a:xfrm>
           <a:prstGeom prst="rect">
             <a:avLst/>
@@ -5109,7 +5110,7 @@
         </p:blipFill>
         <p:spPr>
           <a:xfrm>
-            <a:off x="0" y="360"/>
+            <a:off x="0" y="9720"/>
             <a:ext cx="9142920" cy="6857280"/>
           </a:xfrm>
           <a:prstGeom prst="rect">
@@ -5162,8 +5163,8 @@
         </p:blipFill>
         <p:spPr>
           <a:xfrm>
-            <a:off x="0" y="360"/>
-            <a:ext cx="9142920" cy="6857280"/>
+            <a:off x="720" y="9720"/>
+            <a:ext cx="9143280" cy="6857640"/>
           </a:xfrm>
           <a:prstGeom prst="rect">
             <a:avLst/>
@@ -5219,7 +5220,7 @@
         <p:spPr>
           <a:xfrm>
             <a:off x="432000" y="1008000"/>
-            <a:ext cx="6407640" cy="592200"/>
+            <a:ext cx="6406920" cy="592200"/>
           </a:xfrm>
           <a:prstGeom prst="rect">
             <a:avLst/>
@@ -5251,6 +5252,7 @@
                   <a:srgbClr val="ffffff"/>
                 </a:solidFill>
                 <a:latin typeface="Arial"/>
+                <a:ea typeface="DejaVu Sans"/>
               </a:rPr>
               <a:t>LES COMPTES À SUIVRE :</a:t>
             </a:r>
@@ -5269,7 +5271,7 @@
         <p:spPr>
           <a:xfrm>
             <a:off x="707400" y="2574360"/>
-            <a:ext cx="7703640" cy="3861360"/>
+            <a:ext cx="7702920" cy="3860640"/>
           </a:xfrm>
           <a:prstGeom prst="rect">
             <a:avLst/>
@@ -5298,7 +5300,7 @@
         <p:spPr>
           <a:xfrm>
             <a:off x="766080" y="2489040"/>
-            <a:ext cx="7559640" cy="3946680"/>
+            <a:ext cx="7558920" cy="3946680"/>
           </a:xfrm>
           <a:prstGeom prst="rect">
             <a:avLst/>
@@ -5330,6 +5332,7 @@
                   <a:srgbClr val="d1f8ff"/>
                 </a:solidFill>
                 <a:latin typeface="Arial"/>
+                <a:ea typeface="DejaVu Sans"/>
               </a:rPr>
               <a:t>@timberners_lee : Créateur du web </a:t>
             </a:r>
@@ -5349,6 +5352,7 @@
                   <a:srgbClr val="d1f8ff"/>
                 </a:solidFill>
                 <a:latin typeface="Arial"/>
+                <a:ea typeface="DejaVu Sans"/>
               </a:rPr>
               <a:t>@m_nebra : Fondateur d’Openclassrooms</a:t>
             </a:r>
@@ -5368,6 +5372,7 @@
                   <a:srgbClr val="d1f8ff"/>
                 </a:solidFill>
                 <a:latin typeface="Arial"/>
+                <a:ea typeface="DejaVu Sans"/>
               </a:rPr>
               <a:t>@yannkervarec : Directeur des programmes à Euratechnologies</a:t>
             </a:r>
@@ -5387,6 +5392,7 @@
                   <a:srgbClr val="d1f8ff"/>
                 </a:solidFill>
                 <a:latin typeface="Arial"/>
+                <a:ea typeface="DejaVu Sans"/>
               </a:rPr>
               <a:t>@Korben : Gérant de korben.info site d’infos tech et divers</a:t>
             </a:r>
@@ -5406,6 +5412,7 @@
                   <a:srgbClr val="d1f8ff"/>
                 </a:solidFill>
                 <a:latin typeface="Arial"/>
+                <a:ea typeface="DejaVu Sans"/>
               </a:rPr>
               <a:t>@BrendanEich : Co-fondateur de Mozilla et Javascript</a:t>
             </a:r>
@@ -5425,6 +5432,7 @@
                   <a:srgbClr val="d1f8ff"/>
                 </a:solidFill>
                 <a:latin typeface="Arial"/>
+                <a:ea typeface="DejaVu Sans"/>
               </a:rPr>
               <a:t>@davidwalshblog : Mozilla senior developper et blogger</a:t>
             </a:r>
@@ -5444,6 +5452,7 @@
                   <a:srgbClr val="d1f8ff"/>
                 </a:solidFill>
                 <a:latin typeface="Arial"/>
+                <a:ea typeface="DejaVu Sans"/>
               </a:rPr>
               <a:t>@ID_AA_Carmack : Chief technical officer chez Oculus VR</a:t>
             </a:r>
@@ -5463,6 +5472,7 @@
                   <a:srgbClr val="d1f8ff"/>
                 </a:solidFill>
                 <a:latin typeface="Arial"/>
+                <a:ea typeface="DejaVu Sans"/>
               </a:rPr>
               <a:t>@Una : Dev Frontend et conférenciére sur le web art</a:t>
             </a:r>
@@ -5482,6 +5492,7 @@
                   <a:srgbClr val="d1f8ff"/>
                 </a:solidFill>
                 <a:latin typeface="Arial"/>
+                <a:ea typeface="DejaVu Sans"/>
               </a:rPr>
               <a:t>@JenniferDewalt : A créer 180 sites web en 180 jours </a:t>
             </a:r>
@@ -5501,6 +5512,7 @@
                   <a:srgbClr val="d1f8ff"/>
                 </a:solidFill>
                 <a:latin typeface="Arial"/>
+                <a:ea typeface="DejaVu Sans"/>
               </a:rPr>
               <a:t>@DBNess : Co-fondatrice de Girl Develop It qui apprend aux femmes adultes le développement logiciel</a:t>
             </a:r>
@@ -5553,7 +5565,7 @@
         <p:spPr>
           <a:xfrm>
             <a:off x="0" y="360"/>
-            <a:ext cx="9142920" cy="6857280"/>
+            <a:ext cx="9142200" cy="6856560"/>
           </a:xfrm>
           <a:prstGeom prst="rect">
             <a:avLst/>
